--- a/teaching/2023Fall/3502/Project/project1.pptx
+++ b/teaching/2023Fall/3502/Project/project1.pptx
@@ -260,7 +260,7 @@
           <a:p>
             <a:fld id="{2608E011-59A2-2443-B602-F5DCFD880E00}" type="datetimeFigureOut">
               <a:rPr lang="en-US" smtClean="0"/>
-              <a:t>8/24/23</a:t>
+              <a:t>8/25/23</a:t>
             </a:fld>
             <a:endParaRPr lang="en-US"/>
           </a:p>
@@ -458,7 +458,7 @@
           <a:p>
             <a:fld id="{2608E011-59A2-2443-B602-F5DCFD880E00}" type="datetimeFigureOut">
               <a:rPr lang="en-US" smtClean="0"/>
-              <a:t>8/24/23</a:t>
+              <a:t>8/25/23</a:t>
             </a:fld>
             <a:endParaRPr lang="en-US"/>
           </a:p>
@@ -666,7 +666,7 @@
           <a:p>
             <a:fld id="{2608E011-59A2-2443-B602-F5DCFD880E00}" type="datetimeFigureOut">
               <a:rPr lang="en-US" smtClean="0"/>
-              <a:t>8/24/23</a:t>
+              <a:t>8/25/23</a:t>
             </a:fld>
             <a:endParaRPr lang="en-US"/>
           </a:p>
@@ -864,7 +864,7 @@
           <a:p>
             <a:fld id="{2608E011-59A2-2443-B602-F5DCFD880E00}" type="datetimeFigureOut">
               <a:rPr lang="en-US" smtClean="0"/>
-              <a:t>8/24/23</a:t>
+              <a:t>8/25/23</a:t>
             </a:fld>
             <a:endParaRPr lang="en-US"/>
           </a:p>
@@ -1139,7 +1139,7 @@
           <a:p>
             <a:fld id="{2608E011-59A2-2443-B602-F5DCFD880E00}" type="datetimeFigureOut">
               <a:rPr lang="en-US" smtClean="0"/>
-              <a:t>8/24/23</a:t>
+              <a:t>8/25/23</a:t>
             </a:fld>
             <a:endParaRPr lang="en-US"/>
           </a:p>
@@ -1404,7 +1404,7 @@
           <a:p>
             <a:fld id="{2608E011-59A2-2443-B602-F5DCFD880E00}" type="datetimeFigureOut">
               <a:rPr lang="en-US" smtClean="0"/>
-              <a:t>8/24/23</a:t>
+              <a:t>8/25/23</a:t>
             </a:fld>
             <a:endParaRPr lang="en-US"/>
           </a:p>
@@ -1816,7 +1816,7 @@
           <a:p>
             <a:fld id="{2608E011-59A2-2443-B602-F5DCFD880E00}" type="datetimeFigureOut">
               <a:rPr lang="en-US" smtClean="0"/>
-              <a:t>8/24/23</a:t>
+              <a:t>8/25/23</a:t>
             </a:fld>
             <a:endParaRPr lang="en-US"/>
           </a:p>
@@ -1957,7 +1957,7 @@
           <a:p>
             <a:fld id="{2608E011-59A2-2443-B602-F5DCFD880E00}" type="datetimeFigureOut">
               <a:rPr lang="en-US" smtClean="0"/>
-              <a:t>8/24/23</a:t>
+              <a:t>8/25/23</a:t>
             </a:fld>
             <a:endParaRPr lang="en-US"/>
           </a:p>
@@ -2070,7 +2070,7 @@
           <a:p>
             <a:fld id="{2608E011-59A2-2443-B602-F5DCFD880E00}" type="datetimeFigureOut">
               <a:rPr lang="en-US" smtClean="0"/>
-              <a:t>8/24/23</a:t>
+              <a:t>8/25/23</a:t>
             </a:fld>
             <a:endParaRPr lang="en-US"/>
           </a:p>
@@ -2381,7 +2381,7 @@
           <a:p>
             <a:fld id="{2608E011-59A2-2443-B602-F5DCFD880E00}" type="datetimeFigureOut">
               <a:rPr lang="en-US" smtClean="0"/>
-              <a:t>8/24/23</a:t>
+              <a:t>8/25/23</a:t>
             </a:fld>
             <a:endParaRPr lang="en-US"/>
           </a:p>
@@ -2669,7 +2669,7 @@
           <a:p>
             <a:fld id="{2608E011-59A2-2443-B602-F5DCFD880E00}" type="datetimeFigureOut">
               <a:rPr lang="en-US" smtClean="0"/>
-              <a:t>8/24/23</a:t>
+              <a:t>8/25/23</a:t>
             </a:fld>
             <a:endParaRPr lang="en-US"/>
           </a:p>
@@ -2910,7 +2910,7 @@
           <a:p>
             <a:fld id="{2608E011-59A2-2443-B602-F5DCFD880E00}" type="datetimeFigureOut">
               <a:rPr lang="en-US" smtClean="0"/>
-              <a:t>8/24/23</a:t>
+              <a:t>8/25/23</a:t>
             </a:fld>
             <a:endParaRPr lang="en-US"/>
           </a:p>
@@ -3517,11 +3517,7 @@
           <a:lstStyle/>
           <a:p>
             <a:r>
-              <a:rPr lang="en-US" dirty="0">
-                <a:solidFill>
-                  <a:schemeClr val="bg1"/>
-                </a:solidFill>
-              </a:rPr>
+              <a:rPr lang="en-US" dirty="0"/>
               <a:t>VM</a:t>
             </a:r>
           </a:p>
@@ -4069,11 +4065,7 @@
           <a:lstStyle/>
           <a:p>
             <a:r>
-              <a:rPr lang="en-US" dirty="0">
-                <a:solidFill>
-                  <a:schemeClr val="bg1"/>
-                </a:solidFill>
-              </a:rPr>
+              <a:rPr lang="en-US" dirty="0"/>
               <a:t>VM</a:t>
             </a:r>
           </a:p>

--- a/teaching/2023Fall/3502/Project/project1.pptx
+++ b/teaching/2023Fall/3502/Project/project1.pptx
@@ -7,6 +7,7 @@
   <p:sldIdLst>
     <p:sldId id="256" r:id="rId2"/>
     <p:sldId id="257" r:id="rId3"/>
+    <p:sldId id="258" r:id="rId4"/>
   </p:sldIdLst>
   <p:sldSz cx="12192000" cy="6858000"/>
   <p:notesSz cx="6858000" cy="9144000"/>
@@ -260,7 +261,7 @@
           <a:p>
             <a:fld id="{2608E011-59A2-2443-B602-F5DCFD880E00}" type="datetimeFigureOut">
               <a:rPr lang="en-US" smtClean="0"/>
-              <a:t>8/25/23</a:t>
+              <a:t>8/28/23</a:t>
             </a:fld>
             <a:endParaRPr lang="en-US"/>
           </a:p>
@@ -458,7 +459,7 @@
           <a:p>
             <a:fld id="{2608E011-59A2-2443-B602-F5DCFD880E00}" type="datetimeFigureOut">
               <a:rPr lang="en-US" smtClean="0"/>
-              <a:t>8/25/23</a:t>
+              <a:t>8/28/23</a:t>
             </a:fld>
             <a:endParaRPr lang="en-US"/>
           </a:p>
@@ -666,7 +667,7 @@
           <a:p>
             <a:fld id="{2608E011-59A2-2443-B602-F5DCFD880E00}" type="datetimeFigureOut">
               <a:rPr lang="en-US" smtClean="0"/>
-              <a:t>8/25/23</a:t>
+              <a:t>8/28/23</a:t>
             </a:fld>
             <a:endParaRPr lang="en-US"/>
           </a:p>
@@ -864,7 +865,7 @@
           <a:p>
             <a:fld id="{2608E011-59A2-2443-B602-F5DCFD880E00}" type="datetimeFigureOut">
               <a:rPr lang="en-US" smtClean="0"/>
-              <a:t>8/25/23</a:t>
+              <a:t>8/28/23</a:t>
             </a:fld>
             <a:endParaRPr lang="en-US"/>
           </a:p>
@@ -1139,7 +1140,7 @@
           <a:p>
             <a:fld id="{2608E011-59A2-2443-B602-F5DCFD880E00}" type="datetimeFigureOut">
               <a:rPr lang="en-US" smtClean="0"/>
-              <a:t>8/25/23</a:t>
+              <a:t>8/28/23</a:t>
             </a:fld>
             <a:endParaRPr lang="en-US"/>
           </a:p>
@@ -1404,7 +1405,7 @@
           <a:p>
             <a:fld id="{2608E011-59A2-2443-B602-F5DCFD880E00}" type="datetimeFigureOut">
               <a:rPr lang="en-US" smtClean="0"/>
-              <a:t>8/25/23</a:t>
+              <a:t>8/28/23</a:t>
             </a:fld>
             <a:endParaRPr lang="en-US"/>
           </a:p>
@@ -1816,7 +1817,7 @@
           <a:p>
             <a:fld id="{2608E011-59A2-2443-B602-F5DCFD880E00}" type="datetimeFigureOut">
               <a:rPr lang="en-US" smtClean="0"/>
-              <a:t>8/25/23</a:t>
+              <a:t>8/28/23</a:t>
             </a:fld>
             <a:endParaRPr lang="en-US"/>
           </a:p>
@@ -1957,7 +1958,7 @@
           <a:p>
             <a:fld id="{2608E011-59A2-2443-B602-F5DCFD880E00}" type="datetimeFigureOut">
               <a:rPr lang="en-US" smtClean="0"/>
-              <a:t>8/25/23</a:t>
+              <a:t>8/28/23</a:t>
             </a:fld>
             <a:endParaRPr lang="en-US"/>
           </a:p>
@@ -2070,7 +2071,7 @@
           <a:p>
             <a:fld id="{2608E011-59A2-2443-B602-F5DCFD880E00}" type="datetimeFigureOut">
               <a:rPr lang="en-US" smtClean="0"/>
-              <a:t>8/25/23</a:t>
+              <a:t>8/28/23</a:t>
             </a:fld>
             <a:endParaRPr lang="en-US"/>
           </a:p>
@@ -2381,7 +2382,7 @@
           <a:p>
             <a:fld id="{2608E011-59A2-2443-B602-F5DCFD880E00}" type="datetimeFigureOut">
               <a:rPr lang="en-US" smtClean="0"/>
-              <a:t>8/25/23</a:t>
+              <a:t>8/28/23</a:t>
             </a:fld>
             <a:endParaRPr lang="en-US"/>
           </a:p>
@@ -2669,7 +2670,7 @@
           <a:p>
             <a:fld id="{2608E011-59A2-2443-B602-F5DCFD880E00}" type="datetimeFigureOut">
               <a:rPr lang="en-US" smtClean="0"/>
-              <a:t>8/25/23</a:t>
+              <a:t>8/28/23</a:t>
             </a:fld>
             <a:endParaRPr lang="en-US"/>
           </a:p>
@@ -2910,7 +2911,7 @@
           <a:p>
             <a:fld id="{2608E011-59A2-2443-B602-F5DCFD880E00}" type="datetimeFigureOut">
               <a:rPr lang="en-US" smtClean="0"/>
-              <a:t>8/25/23</a:t>
+              <a:t>8/28/23</a:t>
             </a:fld>
             <a:endParaRPr lang="en-US"/>
           </a:p>
@@ -4626,6 +4627,200 @@
 </p:sld>
 </file>
 
+<file path=ppt/slides/slide3.xml><?xml version="1.0" encoding="utf-8"?>
+<p:sld xmlns:a="http://schemas.openxmlformats.org/drawingml/2006/main" xmlns:r="http://schemas.openxmlformats.org/officeDocument/2006/relationships" xmlns:p="http://schemas.openxmlformats.org/presentationml/2006/main">
+  <p:cSld>
+    <p:spTree>
+      <p:nvGrpSpPr>
+        <p:cNvPr id="1" name=""/>
+        <p:cNvGrpSpPr/>
+        <p:nvPr/>
+      </p:nvGrpSpPr>
+      <p:grpSpPr>
+        <a:xfrm>
+          <a:off x="0" y="0"/>
+          <a:ext cx="0" cy="0"/>
+          <a:chOff x="0" y="0"/>
+          <a:chExt cx="0" cy="0"/>
+        </a:xfrm>
+      </p:grpSpPr>
+      <p:sp>
+        <p:nvSpPr>
+          <p:cNvPr id="6" name="Rectangle 5">
+            <a:extLst>
+              <a:ext uri="{FF2B5EF4-FFF2-40B4-BE49-F238E27FC236}">
+                <a16:creationId xmlns:a16="http://schemas.microsoft.com/office/drawing/2014/main" id="{BCDB2449-A179-42D0-D578-1F521E7A61FD}"/>
+              </a:ext>
+            </a:extLst>
+          </p:cNvPr>
+          <p:cNvSpPr/>
+          <p:nvPr/>
+        </p:nvSpPr>
+        <p:spPr>
+          <a:xfrm>
+            <a:off x="1324303" y="1639614"/>
+            <a:ext cx="8586952" cy="4099034"/>
+          </a:xfrm>
+          <a:prstGeom prst="rect">
+            <a:avLst/>
+          </a:prstGeom>
+          <a:solidFill>
+            <a:schemeClr val="accent1">
+              <a:lumMod val="20000"/>
+              <a:lumOff val="80000"/>
+            </a:schemeClr>
+          </a:solidFill>
+        </p:spPr>
+        <p:style>
+          <a:lnRef idx="2">
+            <a:schemeClr val="accent1">
+              <a:shade val="15000"/>
+            </a:schemeClr>
+          </a:lnRef>
+          <a:fillRef idx="1">
+            <a:schemeClr val="accent1"/>
+          </a:fillRef>
+          <a:effectRef idx="0">
+            <a:schemeClr val="accent1"/>
+          </a:effectRef>
+          <a:fontRef idx="minor">
+            <a:schemeClr val="lt1"/>
+          </a:fontRef>
+        </p:style>
+        <p:txBody>
+          <a:bodyPr rtlCol="0" anchor="ctr"/>
+          <a:lstStyle/>
+          <a:p>
+            <a:pPr algn="ctr"/>
+            <a:endParaRPr lang="en-US" dirty="0"/>
+          </a:p>
+        </p:txBody>
+      </p:sp>
+      <p:sp>
+        <p:nvSpPr>
+          <p:cNvPr id="7" name="TextBox 6">
+            <a:extLst>
+              <a:ext uri="{FF2B5EF4-FFF2-40B4-BE49-F238E27FC236}">
+                <a16:creationId xmlns:a16="http://schemas.microsoft.com/office/drawing/2014/main" id="{84EC8F14-E009-47FC-8327-09D4D838C4F7}"/>
+              </a:ext>
+            </a:extLst>
+          </p:cNvPr>
+          <p:cNvSpPr txBox="1"/>
+          <p:nvPr/>
+        </p:nvSpPr>
+        <p:spPr>
+          <a:xfrm>
+            <a:off x="3636579" y="3227466"/>
+            <a:ext cx="4088683" cy="1015663"/>
+          </a:xfrm>
+          <a:prstGeom prst="rect">
+            <a:avLst/>
+          </a:prstGeom>
+          <a:noFill/>
+        </p:spPr>
+        <p:txBody>
+          <a:bodyPr wrap="none" rtlCol="0">
+            <a:spAutoFit/>
+          </a:bodyPr>
+          <a:lstStyle/>
+          <a:p>
+            <a:r>
+              <a:rPr lang="en-US" dirty="0"/>
+              <a:t>S1 = Th</a:t>
+            </a:r>
+            <a:r>
+              <a:rPr lang="en-US" dirty="0">
+                <a:highlight>
+                  <a:srgbClr val="FFFF00"/>
+                </a:highlight>
+              </a:rPr>
+              <a:t>is</a:t>
+            </a:r>
+            <a:r>
+              <a:rPr lang="en-US" dirty="0"/>
+              <a:t> </a:t>
+            </a:r>
+            <a:r>
+              <a:rPr lang="en-US" dirty="0">
+                <a:highlight>
+                  <a:srgbClr val="FFFF00"/>
+                </a:highlight>
+              </a:rPr>
+              <a:t>is</a:t>
+            </a:r>
+            <a:r>
+              <a:rPr lang="en-US" dirty="0"/>
+              <a:t> a berry </a:t>
+            </a:r>
+            <a:r>
+              <a:rPr lang="zh-CN" altLang="en-US" sz="2400" dirty="0"/>
+              <a:t>🫐</a:t>
+            </a:r>
+            <a:r>
+              <a:rPr lang="en-US" dirty="0"/>
+              <a:t>. Th</a:t>
+            </a:r>
+            <a:r>
+              <a:rPr lang="en-US" dirty="0">
+                <a:highlight>
+                  <a:srgbClr val="FFFF00"/>
+                </a:highlight>
+              </a:rPr>
+              <a:t>is</a:t>
+            </a:r>
+            <a:r>
+              <a:rPr lang="en-US" dirty="0"/>
+              <a:t> </a:t>
+            </a:r>
+            <a:r>
+              <a:rPr lang="en-US" dirty="0">
+                <a:highlight>
+                  <a:srgbClr val="FFFF00"/>
+                </a:highlight>
+              </a:rPr>
+              <a:t>is</a:t>
+            </a:r>
+            <a:r>
+              <a:rPr lang="en-US" dirty="0"/>
+              <a:t> cherry</a:t>
+            </a:r>
+            <a:r>
+              <a:rPr lang="zh-CN" altLang="en-US" dirty="0"/>
+              <a:t> </a:t>
+            </a:r>
+            <a:r>
+              <a:rPr lang="zh-CN" altLang="en-US" sz="2400" dirty="0"/>
+              <a:t>🍒</a:t>
+            </a:r>
+            <a:r>
+              <a:rPr lang="en-US" dirty="0"/>
+              <a:t>. </a:t>
+            </a:r>
+          </a:p>
+          <a:p>
+            <a:endParaRPr lang="en-US" dirty="0"/>
+          </a:p>
+          <a:p>
+            <a:r>
+              <a:rPr lang="en-US" dirty="0"/>
+              <a:t>S2 = is</a:t>
+            </a:r>
+          </a:p>
+        </p:txBody>
+      </p:sp>
+    </p:spTree>
+    <p:extLst>
+      <p:ext uri="{BB962C8B-B14F-4D97-AF65-F5344CB8AC3E}">
+        <p14:creationId xmlns:p14="http://schemas.microsoft.com/office/powerpoint/2010/main" val="619744462"/>
+      </p:ext>
+    </p:extLst>
+  </p:cSld>
+  <p:clrMapOvr>
+    <a:masterClrMapping/>
+  </p:clrMapOvr>
+</p:sld>
+</file>
+
 <file path=ppt/theme/theme1.xml><?xml version="1.0" encoding="utf-8"?>
 <a:theme xmlns:a="http://schemas.openxmlformats.org/drawingml/2006/main" name="Office Theme">
   <a:themeElements>

--- a/teaching/2023Fall/3502/Project/project1.pptx
+++ b/teaching/2023Fall/3502/Project/project1.pptx
@@ -8,6 +8,7 @@
     <p:sldId id="256" r:id="rId2"/>
     <p:sldId id="257" r:id="rId3"/>
     <p:sldId id="258" r:id="rId4"/>
+    <p:sldId id="259" r:id="rId5"/>
   </p:sldIdLst>
   <p:sldSz cx="12192000" cy="6858000"/>
   <p:notesSz cx="6858000" cy="9144000"/>
@@ -261,7 +262,7 @@
           <a:p>
             <a:fld id="{2608E011-59A2-2443-B602-F5DCFD880E00}" type="datetimeFigureOut">
               <a:rPr lang="en-US" smtClean="0"/>
-              <a:t>8/28/23</a:t>
+              <a:t>10/22/23</a:t>
             </a:fld>
             <a:endParaRPr lang="en-US"/>
           </a:p>
@@ -459,7 +460,7 @@
           <a:p>
             <a:fld id="{2608E011-59A2-2443-B602-F5DCFD880E00}" type="datetimeFigureOut">
               <a:rPr lang="en-US" smtClean="0"/>
-              <a:t>8/28/23</a:t>
+              <a:t>10/22/23</a:t>
             </a:fld>
             <a:endParaRPr lang="en-US"/>
           </a:p>
@@ -667,7 +668,7 @@
           <a:p>
             <a:fld id="{2608E011-59A2-2443-B602-F5DCFD880E00}" type="datetimeFigureOut">
               <a:rPr lang="en-US" smtClean="0"/>
-              <a:t>8/28/23</a:t>
+              <a:t>10/22/23</a:t>
             </a:fld>
             <a:endParaRPr lang="en-US"/>
           </a:p>
@@ -865,7 +866,7 @@
           <a:p>
             <a:fld id="{2608E011-59A2-2443-B602-F5DCFD880E00}" type="datetimeFigureOut">
               <a:rPr lang="en-US" smtClean="0"/>
-              <a:t>8/28/23</a:t>
+              <a:t>10/22/23</a:t>
             </a:fld>
             <a:endParaRPr lang="en-US"/>
           </a:p>
@@ -1140,7 +1141,7 @@
           <a:p>
             <a:fld id="{2608E011-59A2-2443-B602-F5DCFD880E00}" type="datetimeFigureOut">
               <a:rPr lang="en-US" smtClean="0"/>
-              <a:t>8/28/23</a:t>
+              <a:t>10/22/23</a:t>
             </a:fld>
             <a:endParaRPr lang="en-US"/>
           </a:p>
@@ -1405,7 +1406,7 @@
           <a:p>
             <a:fld id="{2608E011-59A2-2443-B602-F5DCFD880E00}" type="datetimeFigureOut">
               <a:rPr lang="en-US" smtClean="0"/>
-              <a:t>8/28/23</a:t>
+              <a:t>10/22/23</a:t>
             </a:fld>
             <a:endParaRPr lang="en-US"/>
           </a:p>
@@ -1817,7 +1818,7 @@
           <a:p>
             <a:fld id="{2608E011-59A2-2443-B602-F5DCFD880E00}" type="datetimeFigureOut">
               <a:rPr lang="en-US" smtClean="0"/>
-              <a:t>8/28/23</a:t>
+              <a:t>10/22/23</a:t>
             </a:fld>
             <a:endParaRPr lang="en-US"/>
           </a:p>
@@ -1958,7 +1959,7 @@
           <a:p>
             <a:fld id="{2608E011-59A2-2443-B602-F5DCFD880E00}" type="datetimeFigureOut">
               <a:rPr lang="en-US" smtClean="0"/>
-              <a:t>8/28/23</a:t>
+              <a:t>10/22/23</a:t>
             </a:fld>
             <a:endParaRPr lang="en-US"/>
           </a:p>
@@ -2071,7 +2072,7 @@
           <a:p>
             <a:fld id="{2608E011-59A2-2443-B602-F5DCFD880E00}" type="datetimeFigureOut">
               <a:rPr lang="en-US" smtClean="0"/>
-              <a:t>8/28/23</a:t>
+              <a:t>10/22/23</a:t>
             </a:fld>
             <a:endParaRPr lang="en-US"/>
           </a:p>
@@ -2382,7 +2383,7 @@
           <a:p>
             <a:fld id="{2608E011-59A2-2443-B602-F5DCFD880E00}" type="datetimeFigureOut">
               <a:rPr lang="en-US" smtClean="0"/>
-              <a:t>8/28/23</a:t>
+              <a:t>10/22/23</a:t>
             </a:fld>
             <a:endParaRPr lang="en-US"/>
           </a:p>
@@ -2670,7 +2671,7 @@
           <a:p>
             <a:fld id="{2608E011-59A2-2443-B602-F5DCFD880E00}" type="datetimeFigureOut">
               <a:rPr lang="en-US" smtClean="0"/>
-              <a:t>8/28/23</a:t>
+              <a:t>10/22/23</a:t>
             </a:fld>
             <a:endParaRPr lang="en-US"/>
           </a:p>
@@ -2911,7 +2912,7 @@
           <a:p>
             <a:fld id="{2608E011-59A2-2443-B602-F5DCFD880E00}" type="datetimeFigureOut">
               <a:rPr lang="en-US" smtClean="0"/>
-              <a:t>8/28/23</a:t>
+              <a:t>10/22/23</a:t>
             </a:fld>
             <a:endParaRPr lang="en-US"/>
           </a:p>
@@ -4821,6 +4822,66 @@
 </p:sld>
 </file>
 
+<file path=ppt/slides/slide4.xml><?xml version="1.0" encoding="utf-8"?>
+<p:sld xmlns:a="http://schemas.openxmlformats.org/drawingml/2006/main" xmlns:r="http://schemas.openxmlformats.org/officeDocument/2006/relationships" xmlns:p="http://schemas.openxmlformats.org/presentationml/2006/main">
+  <p:cSld>
+    <p:spTree>
+      <p:nvGrpSpPr>
+        <p:cNvPr id="1" name=""/>
+        <p:cNvGrpSpPr/>
+        <p:nvPr/>
+      </p:nvGrpSpPr>
+      <p:grpSpPr>
+        <a:xfrm>
+          <a:off x="0" y="0"/>
+          <a:ext cx="0" cy="0"/>
+          <a:chOff x="0" y="0"/>
+          <a:chExt cx="0" cy="0"/>
+        </a:xfrm>
+      </p:grpSpPr>
+      <p:pic>
+        <p:nvPicPr>
+          <p:cNvPr id="15" name="Picture 14">
+            <a:extLst>
+              <a:ext uri="{FF2B5EF4-FFF2-40B4-BE49-F238E27FC236}">
+                <a16:creationId xmlns:a16="http://schemas.microsoft.com/office/drawing/2014/main" id="{099BB2C2-CF64-518F-08BE-9B9598888BDE}"/>
+              </a:ext>
+            </a:extLst>
+          </p:cNvPr>
+          <p:cNvPicPr>
+            <a:picLocks noChangeAspect="1"/>
+          </p:cNvPicPr>
+          <p:nvPr/>
+        </p:nvPicPr>
+        <p:blipFill>
+          <a:blip r:embed="rId2"/>
+          <a:stretch>
+            <a:fillRect/>
+          </a:stretch>
+        </p:blipFill>
+        <p:spPr>
+          <a:xfrm>
+            <a:off x="2209800" y="1974756"/>
+            <a:ext cx="7772400" cy="2908487"/>
+          </a:xfrm>
+          <a:prstGeom prst="rect">
+            <a:avLst/>
+          </a:prstGeom>
+        </p:spPr>
+      </p:pic>
+    </p:spTree>
+    <p:extLst>
+      <p:ext uri="{BB962C8B-B14F-4D97-AF65-F5344CB8AC3E}">
+        <p14:creationId xmlns:p14="http://schemas.microsoft.com/office/powerpoint/2010/main" val="3290944706"/>
+      </p:ext>
+    </p:extLst>
+  </p:cSld>
+  <p:clrMapOvr>
+    <a:masterClrMapping/>
+  </p:clrMapOvr>
+</p:sld>
+</file>
+
 <file path=ppt/theme/theme1.xml><?xml version="1.0" encoding="utf-8"?>
 <a:theme xmlns:a="http://schemas.openxmlformats.org/drawingml/2006/main" name="Office Theme">
   <a:themeElements>

--- a/teaching/2023Fall/3502/Project/project1.pptx
+++ b/teaching/2023Fall/3502/Project/project1.pptx
@@ -4861,7 +4861,7 @@
         </p:blipFill>
         <p:spPr>
           <a:xfrm>
-            <a:off x="2209800" y="1974756"/>
+            <a:off x="270659" y="1974756"/>
             <a:ext cx="7772400" cy="2908487"/>
           </a:xfrm>
           <a:prstGeom prst="rect">
@@ -4869,6 +4869,397 @@
           </a:prstGeom>
         </p:spPr>
       </p:pic>
+      <p:sp>
+        <p:nvSpPr>
+          <p:cNvPr id="2" name="Rectangle 1">
+            <a:extLst>
+              <a:ext uri="{FF2B5EF4-FFF2-40B4-BE49-F238E27FC236}">
+                <a16:creationId xmlns:a16="http://schemas.microsoft.com/office/drawing/2014/main" id="{A1D0A238-29A8-6A17-567A-907D15A74E90}"/>
+              </a:ext>
+            </a:extLst>
+          </p:cNvPr>
+          <p:cNvSpPr/>
+          <p:nvPr/>
+        </p:nvSpPr>
+        <p:spPr>
+          <a:xfrm>
+            <a:off x="8185354" y="2513383"/>
+            <a:ext cx="2315497" cy="362551"/>
+          </a:xfrm>
+          <a:prstGeom prst="rect">
+            <a:avLst/>
+          </a:prstGeom>
+          <a:solidFill>
+            <a:schemeClr val="accent1">
+              <a:lumMod val="40000"/>
+              <a:lumOff val="60000"/>
+            </a:schemeClr>
+          </a:solidFill>
+        </p:spPr>
+        <p:style>
+          <a:lnRef idx="2">
+            <a:schemeClr val="accent1">
+              <a:shade val="15000"/>
+            </a:schemeClr>
+          </a:lnRef>
+          <a:fillRef idx="1">
+            <a:schemeClr val="accent1"/>
+          </a:fillRef>
+          <a:effectRef idx="0">
+            <a:schemeClr val="accent1"/>
+          </a:effectRef>
+          <a:fontRef idx="minor">
+            <a:schemeClr val="lt1"/>
+          </a:fontRef>
+        </p:style>
+        <p:txBody>
+          <a:bodyPr rtlCol="0" anchor="ctr"/>
+          <a:lstStyle/>
+          <a:p>
+            <a:pPr algn="ctr"/>
+            <a:endParaRPr lang="en-US"/>
+          </a:p>
+        </p:txBody>
+      </p:sp>
+      <p:sp>
+        <p:nvSpPr>
+          <p:cNvPr id="3" name="Rectangle 2">
+            <a:extLst>
+              <a:ext uri="{FF2B5EF4-FFF2-40B4-BE49-F238E27FC236}">
+                <a16:creationId xmlns:a16="http://schemas.microsoft.com/office/drawing/2014/main" id="{35C8726B-CF13-008A-4529-637C28C6BB6A}"/>
+              </a:ext>
+            </a:extLst>
+          </p:cNvPr>
+          <p:cNvSpPr/>
+          <p:nvPr/>
+        </p:nvSpPr>
+        <p:spPr>
+          <a:xfrm>
+            <a:off x="8185354" y="3583860"/>
+            <a:ext cx="2315497" cy="362551"/>
+          </a:xfrm>
+          <a:prstGeom prst="rect">
+            <a:avLst/>
+          </a:prstGeom>
+          <a:solidFill>
+            <a:schemeClr val="accent1">
+              <a:lumMod val="40000"/>
+              <a:lumOff val="60000"/>
+            </a:schemeClr>
+          </a:solidFill>
+        </p:spPr>
+        <p:style>
+          <a:lnRef idx="2">
+            <a:schemeClr val="accent1">
+              <a:shade val="15000"/>
+            </a:schemeClr>
+          </a:lnRef>
+          <a:fillRef idx="1">
+            <a:schemeClr val="accent1"/>
+          </a:fillRef>
+          <a:effectRef idx="0">
+            <a:schemeClr val="accent1"/>
+          </a:effectRef>
+          <a:fontRef idx="minor">
+            <a:schemeClr val="lt1"/>
+          </a:fontRef>
+        </p:style>
+        <p:txBody>
+          <a:bodyPr rtlCol="0" anchor="ctr"/>
+          <a:lstStyle/>
+          <a:p>
+            <a:pPr algn="ctr"/>
+            <a:endParaRPr lang="en-US"/>
+          </a:p>
+        </p:txBody>
+      </p:sp>
+      <p:sp>
+        <p:nvSpPr>
+          <p:cNvPr id="4" name="Rectangle 3">
+            <a:extLst>
+              <a:ext uri="{FF2B5EF4-FFF2-40B4-BE49-F238E27FC236}">
+                <a16:creationId xmlns:a16="http://schemas.microsoft.com/office/drawing/2014/main" id="{AB5E96D9-7DEC-58AA-8F31-BC8E20040ABB}"/>
+              </a:ext>
+            </a:extLst>
+          </p:cNvPr>
+          <p:cNvSpPr/>
+          <p:nvPr/>
+        </p:nvSpPr>
+        <p:spPr>
+          <a:xfrm>
+            <a:off x="8917856" y="2513383"/>
+            <a:ext cx="850491" cy="362551"/>
+          </a:xfrm>
+          <a:prstGeom prst="rect">
+            <a:avLst/>
+          </a:prstGeom>
+          <a:solidFill>
+            <a:srgbClr val="00B0F0"/>
+          </a:solidFill>
+        </p:spPr>
+        <p:style>
+          <a:lnRef idx="2">
+            <a:schemeClr val="accent1">
+              <a:shade val="15000"/>
+            </a:schemeClr>
+          </a:lnRef>
+          <a:fillRef idx="1">
+            <a:schemeClr val="accent1"/>
+          </a:fillRef>
+          <a:effectRef idx="0">
+            <a:schemeClr val="accent1"/>
+          </a:effectRef>
+          <a:fontRef idx="minor">
+            <a:schemeClr val="lt1"/>
+          </a:fontRef>
+        </p:style>
+        <p:txBody>
+          <a:bodyPr rtlCol="0" anchor="ctr"/>
+          <a:lstStyle/>
+          <a:p>
+            <a:pPr algn="ctr"/>
+            <a:endParaRPr lang="en-US"/>
+          </a:p>
+        </p:txBody>
+      </p:sp>
+      <p:sp>
+        <p:nvSpPr>
+          <p:cNvPr id="5" name="Rectangle 4">
+            <a:extLst>
+              <a:ext uri="{FF2B5EF4-FFF2-40B4-BE49-F238E27FC236}">
+                <a16:creationId xmlns:a16="http://schemas.microsoft.com/office/drawing/2014/main" id="{3905E593-FF9C-3A3E-6F72-233572F2B763}"/>
+              </a:ext>
+            </a:extLst>
+          </p:cNvPr>
+          <p:cNvSpPr/>
+          <p:nvPr/>
+        </p:nvSpPr>
+        <p:spPr>
+          <a:xfrm>
+            <a:off x="9114501" y="3583860"/>
+            <a:ext cx="850491" cy="362551"/>
+          </a:xfrm>
+          <a:prstGeom prst="rect">
+            <a:avLst/>
+          </a:prstGeom>
+          <a:solidFill>
+            <a:srgbClr val="00B0F0"/>
+          </a:solidFill>
+        </p:spPr>
+        <p:style>
+          <a:lnRef idx="2">
+            <a:schemeClr val="accent1">
+              <a:shade val="15000"/>
+            </a:schemeClr>
+          </a:lnRef>
+          <a:fillRef idx="1">
+            <a:schemeClr val="accent1"/>
+          </a:fillRef>
+          <a:effectRef idx="0">
+            <a:schemeClr val="accent1"/>
+          </a:effectRef>
+          <a:fontRef idx="minor">
+            <a:schemeClr val="lt1"/>
+          </a:fontRef>
+        </p:style>
+        <p:txBody>
+          <a:bodyPr rtlCol="0" anchor="ctr"/>
+          <a:lstStyle/>
+          <a:p>
+            <a:pPr algn="ctr"/>
+            <a:endParaRPr lang="en-US"/>
+          </a:p>
+        </p:txBody>
+      </p:sp>
+      <p:sp>
+        <p:nvSpPr>
+          <p:cNvPr id="6" name="TextBox 5">
+            <a:extLst>
+              <a:ext uri="{FF2B5EF4-FFF2-40B4-BE49-F238E27FC236}">
+                <a16:creationId xmlns:a16="http://schemas.microsoft.com/office/drawing/2014/main" id="{9C6714DA-F5A6-3946-FD93-A196C1448515}"/>
+              </a:ext>
+            </a:extLst>
+          </p:cNvPr>
+          <p:cNvSpPr txBox="1"/>
+          <p:nvPr/>
+        </p:nvSpPr>
+        <p:spPr>
+          <a:xfrm>
+            <a:off x="8147581" y="1974756"/>
+            <a:ext cx="2391039" cy="369332"/>
+          </a:xfrm>
+          <a:prstGeom prst="rect">
+            <a:avLst/>
+          </a:prstGeom>
+          <a:noFill/>
+        </p:spPr>
+        <p:txBody>
+          <a:bodyPr wrap="none" rtlCol="0">
+            <a:spAutoFit/>
+          </a:bodyPr>
+          <a:lstStyle/>
+          <a:p>
+            <a:r>
+              <a:rPr lang="en-US" dirty="0"/>
+              <a:t>Process virtual memory</a:t>
+            </a:r>
+          </a:p>
+        </p:txBody>
+      </p:sp>
+      <p:cxnSp>
+        <p:nvCxnSpPr>
+          <p:cNvPr id="8" name="Straight Connector 7">
+            <a:extLst>
+              <a:ext uri="{FF2B5EF4-FFF2-40B4-BE49-F238E27FC236}">
+                <a16:creationId xmlns:a16="http://schemas.microsoft.com/office/drawing/2014/main" id="{A5E178EB-CF40-11D0-42F6-9207146439DB}"/>
+              </a:ext>
+            </a:extLst>
+          </p:cNvPr>
+          <p:cNvCxnSpPr/>
+          <p:nvPr/>
+        </p:nvCxnSpPr>
+        <p:spPr>
+          <a:xfrm flipH="1" flipV="1">
+            <a:off x="8917856" y="2875935"/>
+            <a:ext cx="196645" cy="707925"/>
+          </a:xfrm>
+          <a:prstGeom prst="line">
+            <a:avLst/>
+          </a:prstGeom>
+          <a:ln w="12700">
+            <a:solidFill>
+              <a:schemeClr val="tx1"/>
+            </a:solidFill>
+            <a:prstDash val="dash"/>
+          </a:ln>
+        </p:spPr>
+        <p:style>
+          <a:lnRef idx="1">
+            <a:schemeClr val="accent1"/>
+          </a:lnRef>
+          <a:fillRef idx="0">
+            <a:schemeClr val="accent1"/>
+          </a:fillRef>
+          <a:effectRef idx="0">
+            <a:schemeClr val="accent1"/>
+          </a:effectRef>
+          <a:fontRef idx="minor">
+            <a:schemeClr val="tx1"/>
+          </a:fontRef>
+        </p:style>
+      </p:cxnSp>
+      <p:cxnSp>
+        <p:nvCxnSpPr>
+          <p:cNvPr id="9" name="Straight Connector 8">
+            <a:extLst>
+              <a:ext uri="{FF2B5EF4-FFF2-40B4-BE49-F238E27FC236}">
+                <a16:creationId xmlns:a16="http://schemas.microsoft.com/office/drawing/2014/main" id="{85DD3AE1-9115-9B52-8646-902F455F82C6}"/>
+              </a:ext>
+            </a:extLst>
+          </p:cNvPr>
+          <p:cNvCxnSpPr/>
+          <p:nvPr/>
+        </p:nvCxnSpPr>
+        <p:spPr>
+          <a:xfrm flipH="1" flipV="1">
+            <a:off x="9763156" y="2875935"/>
+            <a:ext cx="196645" cy="707925"/>
+          </a:xfrm>
+          <a:prstGeom prst="line">
+            <a:avLst/>
+          </a:prstGeom>
+          <a:ln w="12700">
+            <a:solidFill>
+              <a:schemeClr val="tx1"/>
+            </a:solidFill>
+            <a:prstDash val="dash"/>
+          </a:ln>
+        </p:spPr>
+        <p:style>
+          <a:lnRef idx="1">
+            <a:schemeClr val="accent1"/>
+          </a:lnRef>
+          <a:fillRef idx="0">
+            <a:schemeClr val="accent1"/>
+          </a:fillRef>
+          <a:effectRef idx="0">
+            <a:schemeClr val="accent1"/>
+          </a:effectRef>
+          <a:fontRef idx="minor">
+            <a:schemeClr val="tx1"/>
+          </a:fontRef>
+        </p:style>
+      </p:cxnSp>
+      <p:sp>
+        <p:nvSpPr>
+          <p:cNvPr id="10" name="TextBox 9">
+            <a:extLst>
+              <a:ext uri="{FF2B5EF4-FFF2-40B4-BE49-F238E27FC236}">
+                <a16:creationId xmlns:a16="http://schemas.microsoft.com/office/drawing/2014/main" id="{AEFF4278-0CAB-61AC-3F31-8427BBD2A361}"/>
+              </a:ext>
+            </a:extLst>
+          </p:cNvPr>
+          <p:cNvSpPr txBox="1"/>
+          <p:nvPr/>
+        </p:nvSpPr>
+        <p:spPr>
+          <a:xfrm>
+            <a:off x="9080322" y="3045231"/>
+            <a:ext cx="785793" cy="369332"/>
+          </a:xfrm>
+          <a:prstGeom prst="rect">
+            <a:avLst/>
+          </a:prstGeom>
+          <a:noFill/>
+        </p:spPr>
+        <p:txBody>
+          <a:bodyPr wrap="none" rtlCol="0">
+            <a:spAutoFit/>
+          </a:bodyPr>
+          <a:lstStyle/>
+          <a:p>
+            <a:r>
+              <a:rPr lang="en-US" dirty="0"/>
+              <a:t>mmap</a:t>
+            </a:r>
+          </a:p>
+        </p:txBody>
+      </p:sp>
+      <p:sp>
+        <p:nvSpPr>
+          <p:cNvPr id="11" name="TextBox 10">
+            <a:extLst>
+              <a:ext uri="{FF2B5EF4-FFF2-40B4-BE49-F238E27FC236}">
+                <a16:creationId xmlns:a16="http://schemas.microsoft.com/office/drawing/2014/main" id="{D7E4E72F-9E39-3C28-2175-8CE291409CB7}"/>
+              </a:ext>
+            </a:extLst>
+          </p:cNvPr>
+          <p:cNvSpPr txBox="1"/>
+          <p:nvPr/>
+        </p:nvSpPr>
+        <p:spPr>
+          <a:xfrm>
+            <a:off x="8694371" y="4027841"/>
+            <a:ext cx="918841" cy="369332"/>
+          </a:xfrm>
+          <a:prstGeom prst="rect">
+            <a:avLst/>
+          </a:prstGeom>
+          <a:noFill/>
+        </p:spPr>
+        <p:txBody>
+          <a:bodyPr wrap="none" rtlCol="0">
+            <a:spAutoFit/>
+          </a:bodyPr>
+          <a:lstStyle/>
+          <a:p>
+            <a:r>
+              <a:rPr lang="en-US" dirty="0"/>
+              <a:t>Disk file</a:t>
+            </a:r>
+          </a:p>
+        </p:txBody>
+      </p:sp>
     </p:spTree>
     <p:extLst>
       <p:ext uri="{BB962C8B-B14F-4D97-AF65-F5344CB8AC3E}">
